--- a/FinalPaper/3_presentation/final_pre_DCF_10may2019.pptx
+++ b/FinalPaper/3_presentation/final_pre_DCF_10may2019.pptx
@@ -6618,13 +6618,14 @@
           </a:p>
           <a:p>
             <a:r>
-              <a:rPr lang="en-US" sz="2800" dirty="0"/>
-              <a:t>For my research questions…</a:t>
-            </a:r>
-          </a:p>
-          <a:p>
-            <a:pPr lvl="1"/>
-            <a:endParaRPr lang="en-US" sz="2400" dirty="0"/>
+              <a:rPr lang="en-US" altLang="zh-CN" sz="2800" dirty="0"/>
+              <a:t>For my </a:t>
+            </a:r>
+            <a:r>
+              <a:rPr lang="en-US" altLang="zh-CN" sz="2800"/>
+              <a:t>research question…</a:t>
+            </a:r>
+            <a:endParaRPr lang="en-US" sz="2800" dirty="0"/>
           </a:p>
           <a:p>
             <a:endParaRPr lang="en-US" sz="2400" dirty="0"/>
